--- a/Week-2/08_30.pptx
+++ b/Week-2/08_30.pptx
@@ -16,6 +16,7 @@
     <p:sldId id="261" r:id="rId10"/>
     <p:sldId id="262" r:id="rId11"/>
     <p:sldId id="263" r:id="rId12"/>
+    <p:sldId id="264" r:id="rId13"/>
   </p:sldIdLst>
   <p:sldSz cy="6858000" cx="12192000"/>
   <p:notesSz cx="6858000" cy="9144000"/>
@@ -894,7 +895,7 @@
       </p:grpSpPr>
       <p:sp>
         <p:nvSpPr>
-          <p:cNvPr id="91" name="Google Shape;91;gec7a33a43b_0_9:notes"/>
+          <p:cNvPr id="91" name="Google Shape;91;gec7a33a6a6_1_0:notes"/>
           <p:cNvSpPr/>
           <p:nvPr>
             <p:ph idx="2" type="sldImg"/>
@@ -929,7 +930,7 @@
       </p:sp>
       <p:sp>
         <p:nvSpPr>
-          <p:cNvPr id="92" name="Google Shape;92;gec7a33a43b_0_9:notes"/>
+          <p:cNvPr id="92" name="Google Shape;92;gec7a33a6a6_1_0:notes"/>
           <p:cNvSpPr txBox="1"/>
           <p:nvPr>
             <p:ph idx="1" type="body"/>
@@ -993,7 +994,7 @@
       </p:grpSpPr>
       <p:sp>
         <p:nvSpPr>
-          <p:cNvPr id="97" name="Google Shape;97;gdf5753b4c7_0_19:notes"/>
+          <p:cNvPr id="97" name="Google Shape;97;gec7a33a43b_0_9:notes"/>
           <p:cNvSpPr/>
           <p:nvPr>
             <p:ph idx="2" type="sldImg"/>
@@ -1028,7 +1029,7 @@
       </p:sp>
       <p:sp>
         <p:nvSpPr>
-          <p:cNvPr id="98" name="Google Shape;98;gdf5753b4c7_0_19:notes"/>
+          <p:cNvPr id="98" name="Google Shape;98;gec7a33a43b_0_9:notes"/>
           <p:cNvSpPr txBox="1"/>
           <p:nvPr>
             <p:ph idx="1" type="body"/>
@@ -1078,7 +1079,7 @@
   <p:cSld>
     <p:spTree>
       <p:nvGrpSpPr>
-        <p:cNvPr id="103" name="Shape 103"/>
+        <p:cNvPr id="102" name="Shape 102"/>
         <p:cNvGrpSpPr/>
         <p:nvPr/>
       </p:nvGrpSpPr>
@@ -1092,7 +1093,7 @@
       </p:grpSpPr>
       <p:sp>
         <p:nvSpPr>
-          <p:cNvPr id="104" name="Google Shape;104;gdf5753b4c7_0_25:notes"/>
+          <p:cNvPr id="103" name="Google Shape;103;gdf5753b4c7_0_19:notes"/>
           <p:cNvSpPr/>
           <p:nvPr>
             <p:ph idx="2" type="sldImg"/>
@@ -1127,7 +1128,7 @@
       </p:sp>
       <p:sp>
         <p:nvSpPr>
-          <p:cNvPr id="105" name="Google Shape;105;gdf5753b4c7_0_25:notes"/>
+          <p:cNvPr id="104" name="Google Shape;104;gdf5753b4c7_0_19:notes"/>
           <p:cNvSpPr txBox="1"/>
           <p:nvPr>
             <p:ph idx="1" type="body"/>
@@ -1191,7 +1192,7 @@
       </p:grpSpPr>
       <p:sp>
         <p:nvSpPr>
-          <p:cNvPr id="110" name="Google Shape;110;gdf5753b4c7_0_30:notes"/>
+          <p:cNvPr id="110" name="Google Shape;110;gdf5753b4c7_0_25:notes"/>
           <p:cNvSpPr/>
           <p:nvPr>
             <p:ph idx="2" type="sldImg"/>
@@ -1226,7 +1227,7 @@
       </p:sp>
       <p:sp>
         <p:nvSpPr>
-          <p:cNvPr id="111" name="Google Shape;111;gdf5753b4c7_0_30:notes"/>
+          <p:cNvPr id="111" name="Google Shape;111;gdf5753b4c7_0_25:notes"/>
           <p:cNvSpPr txBox="1"/>
           <p:nvPr>
             <p:ph idx="1" type="body"/>
@@ -1290,7 +1291,7 @@
       </p:grpSpPr>
       <p:sp>
         <p:nvSpPr>
-          <p:cNvPr id="116" name="Google Shape;116;gdf5753b4c7_0_35:notes"/>
+          <p:cNvPr id="116" name="Google Shape;116;gdf5753b4c7_0_30:notes"/>
           <p:cNvSpPr/>
           <p:nvPr>
             <p:ph idx="2" type="sldImg"/>
@@ -1325,7 +1326,7 @@
       </p:sp>
       <p:sp>
         <p:nvSpPr>
-          <p:cNvPr id="117" name="Google Shape;117;gdf5753b4c7_0_35:notes"/>
+          <p:cNvPr id="117" name="Google Shape;117;gdf5753b4c7_0_30:notes"/>
           <p:cNvSpPr txBox="1"/>
           <p:nvPr>
             <p:ph idx="1" type="body"/>
@@ -1389,7 +1390,7 @@
       </p:grpSpPr>
       <p:sp>
         <p:nvSpPr>
-          <p:cNvPr id="122" name="Google Shape;122;gdf5753b4c7_0_45:notes"/>
+          <p:cNvPr id="122" name="Google Shape;122;gdf5753b4c7_0_35:notes"/>
           <p:cNvSpPr/>
           <p:nvPr>
             <p:ph idx="2" type="sldImg"/>
@@ -1424,7 +1425,106 @@
       </p:sp>
       <p:sp>
         <p:nvSpPr>
-          <p:cNvPr id="123" name="Google Shape;123;gdf5753b4c7_0_45:notes"/>
+          <p:cNvPr id="123" name="Google Shape;123;gdf5753b4c7_0_35:notes"/>
+          <p:cNvSpPr txBox="1"/>
+          <p:nvPr>
+            <p:ph idx="1" type="body"/>
+          </p:nvPr>
+        </p:nvSpPr>
+        <p:spPr>
+          <a:xfrm>
+            <a:off x="685800" y="4343400"/>
+            <a:ext cx="5486400" cy="4114800"/>
+          </a:xfrm>
+          <a:prstGeom prst="rect">
+            <a:avLst/>
+          </a:prstGeom>
+        </p:spPr>
+        <p:txBody>
+          <a:bodyPr anchorCtr="0" anchor="t" bIns="91425" lIns="91425" spcFirstLastPara="1" rIns="91425" wrap="square" tIns="91425">
+            <a:noAutofit/>
+          </a:bodyPr>
+          <a:lstStyle/>
+          <a:p>
+            <a:pPr indent="0" lvl="0" marL="0" rtl="0" algn="l">
+              <a:spcBef>
+                <a:spcPts val="0"/>
+              </a:spcBef>
+              <a:spcAft>
+                <a:spcPts val="0"/>
+              </a:spcAft>
+              <a:buNone/>
+            </a:pPr>
+            <a:r>
+              <a:t/>
+            </a:r>
+            <a:endParaRPr/>
+          </a:p>
+        </p:txBody>
+      </p:sp>
+    </p:spTree>
+  </p:cSld>
+  <p:clrMapOvr>
+    <a:masterClrMapping/>
+  </p:clrMapOvr>
+</p:notes>
+</file>
+
+<file path=ppt/notesSlides/notesSlide9.xml><?xml version="1.0" encoding="utf-8"?>
+<p:notes xmlns:a="http://schemas.openxmlformats.org/drawingml/2006/main" xmlns:r="http://schemas.openxmlformats.org/officeDocument/2006/relationships" xmlns:mc="http://schemas.openxmlformats.org/markup-compatibility/2006" xmlns:mv="urn:schemas-microsoft-com:mac:vml" xmlns:p="http://schemas.openxmlformats.org/presentationml/2006/main" xmlns:c="http://schemas.openxmlformats.org/drawingml/2006/chart" xmlns:dgm="http://schemas.openxmlformats.org/drawingml/2006/diagram" xmlns:o="urn:schemas-microsoft-com:office:office" xmlns:v="urn:schemas-microsoft-com:vml" xmlns:pvml="urn:schemas-microsoft-com:office:powerpoint" xmlns:com="http://schemas.openxmlformats.org/drawingml/2006/compatibility" xmlns:p14="http://schemas.microsoft.com/office/powerpoint/2010/main" xmlns:p15="http://schemas.microsoft.com/office/powerpoint/2012/main" xmlns:ahyp="http://schemas.microsoft.com/office/drawing/2018/hyperlinkcolor" showMasterPhAnim="0" showMasterSp="0">
+  <p:cSld>
+    <p:spTree>
+      <p:nvGrpSpPr>
+        <p:cNvPr id="127" name="Shape 127"/>
+        <p:cNvGrpSpPr/>
+        <p:nvPr/>
+      </p:nvGrpSpPr>
+      <p:grpSpPr>
+        <a:xfrm>
+          <a:off x="0" y="0"/>
+          <a:ext cx="0" cy="0"/>
+          <a:chOff x="0" y="0"/>
+          <a:chExt cx="0" cy="0"/>
+        </a:xfrm>
+      </p:grpSpPr>
+      <p:sp>
+        <p:nvSpPr>
+          <p:cNvPr id="128" name="Google Shape;128;gdf5753b4c7_0_45:notes"/>
+          <p:cNvSpPr/>
+          <p:nvPr>
+            <p:ph idx="2" type="sldImg"/>
+          </p:nvPr>
+        </p:nvSpPr>
+        <p:spPr>
+          <a:xfrm>
+            <a:off x="1143225" y="685800"/>
+            <a:ext cx="4572300" cy="3429000"/>
+          </a:xfrm>
+          <a:custGeom>
+            <a:rect b="b" l="l" r="r" t="t"/>
+            <a:pathLst>
+              <a:path extrusionOk="0" h="120000" w="120000">
+                <a:moveTo>
+                  <a:pt x="0" y="0"/>
+                </a:moveTo>
+                <a:lnTo>
+                  <a:pt x="120000" y="0"/>
+                </a:lnTo>
+                <a:lnTo>
+                  <a:pt x="120000" y="120000"/>
+                </a:lnTo>
+                <a:lnTo>
+                  <a:pt x="0" y="120000"/>
+                </a:lnTo>
+                <a:close/>
+              </a:path>
+            </a:pathLst>
+          </a:custGeom>
+        </p:spPr>
+      </p:sp>
+      <p:sp>
+        <p:nvSpPr>
+          <p:cNvPr id="129" name="Google Shape;129;gdf5753b4c7_0_45:notes"/>
           <p:cNvSpPr txBox="1"/>
           <p:nvPr>
             <p:ph idx="1" type="body"/>
@@ -13874,7 +13974,7 @@
             </a:pPr>
             <a:r>
               <a:rPr lang="en-US"/>
-              <a:t>Algorithm vs Pseudocode </a:t>
+              <a:t>Recap</a:t>
             </a:r>
             <a:endParaRPr/>
           </a:p>
@@ -13890,7 +13990,7 @@
         </p:nvSpPr>
         <p:spPr>
           <a:xfrm>
-            <a:off x="838200" y="1825625"/>
+            <a:off x="838200" y="1807050"/>
             <a:ext cx="10515600" cy="4351200"/>
           </a:xfrm>
           <a:prstGeom prst="rect">
@@ -13915,29 +14015,31 @@
             </a:pPr>
             <a:r>
               <a:rPr lang="en-US"/>
-              <a:t>Algorithm : Sequential steps which solves the problem within finite time using finite resources. </a:t>
+              <a:t>What is a computer? </a:t>
             </a:r>
             <a:endParaRPr/>
           </a:p>
           <a:p>
-            <a:pPr indent="0" lvl="0" marL="457200" rtl="0" algn="l">
-              <a:spcBef>
-                <a:spcPts val="1000"/>
-              </a:spcBef>
-              <a:spcAft>
-                <a:spcPts val="0"/>
-              </a:spcAft>
-              <a:buNone/>
+            <a:pPr indent="-342900" lvl="1" marL="914400" rtl="0" algn="l">
+              <a:spcBef>
+                <a:spcPts val="0"/>
+              </a:spcBef>
+              <a:spcAft>
+                <a:spcPts val="0"/>
+              </a:spcAft>
+              <a:buSzPts val="1800"/>
+              <a:buChar char="•"/>
             </a:pPr>
             <a:r>
-              <a:t/>
+              <a:rPr lang="en-US"/>
+              <a:t>Electronic device that is programmable to solve problems</a:t>
             </a:r>
             <a:endParaRPr/>
           </a:p>
           <a:p>
             <a:pPr indent="-342900" lvl="0" marL="457200" rtl="0" algn="l">
               <a:spcBef>
-                <a:spcPts val="1000"/>
+                <a:spcPts val="0"/>
               </a:spcBef>
               <a:spcAft>
                 <a:spcPts val="0"/>
@@ -13947,7 +14049,7 @@
             </a:pPr>
             <a:r>
               <a:rPr lang="en-US"/>
-              <a:t>Pseudocode: Informal way of writing code (in english) that highlights the key elements but leaves the implementation. </a:t>
+              <a:t>What is an operating system?</a:t>
             </a:r>
             <a:endParaRPr/>
           </a:p>
@@ -13964,61 +14066,92 @@
             </a:pPr>
             <a:r>
               <a:rPr lang="en-US"/>
-              <a:t>It is independent of the language you use. </a:t>
+              <a:t>Software which takes care of basic functionality of the computer. </a:t>
             </a:r>
             <a:endParaRPr/>
           </a:p>
           <a:p>
-            <a:pPr indent="0" lvl="0" marL="0" rtl="0" algn="l">
-              <a:spcBef>
-                <a:spcPts val="1000"/>
-              </a:spcBef>
-              <a:spcAft>
-                <a:spcPts val="0"/>
-              </a:spcAft>
-              <a:buNone/>
+            <a:pPr indent="-342900" lvl="2" marL="1371600" rtl="0" algn="l">
+              <a:spcBef>
+                <a:spcPts val="0"/>
+              </a:spcBef>
+              <a:spcAft>
+                <a:spcPts val="0"/>
+              </a:spcAft>
+              <a:buSzPts val="1800"/>
+              <a:buChar char="•"/>
             </a:pPr>
             <a:r>
-              <a:t/>
+              <a:rPr lang="en-US"/>
+              <a:t>example: Windows, Unix, Linux etc</a:t>
             </a:r>
             <a:endParaRPr/>
           </a:p>
           <a:p>
-            <a:pPr indent="0" lvl="0" marL="0" rtl="0" algn="l">
-              <a:spcBef>
-                <a:spcPts val="1000"/>
-              </a:spcBef>
-              <a:spcAft>
-                <a:spcPts val="0"/>
-              </a:spcAft>
-              <a:buNone/>
+            <a:pPr indent="-342900" lvl="0" marL="457200" rtl="0" algn="l">
+              <a:spcBef>
+                <a:spcPts val="0"/>
+              </a:spcBef>
+              <a:spcAft>
+                <a:spcPts val="0"/>
+              </a:spcAft>
+              <a:buSzPts val="1800"/>
+              <a:buChar char="•"/>
             </a:pPr>
             <a:r>
-              <a:rPr lang="en-US">
-                <a:solidFill>
-                  <a:srgbClr val="FF0000"/>
-                </a:solidFill>
-              </a:rPr>
-              <a:t>Refer to the pseudo code document in our github under week 2</a:t>
+              <a:rPr lang="en-US"/>
+              <a:t>What is a Graphical User Interface (GUI)? </a:t>
             </a:r>
-            <a:endParaRPr>
-              <a:solidFill>
-                <a:srgbClr val="FF0000"/>
-              </a:solidFill>
-            </a:endParaRPr>
+            <a:endParaRPr/>
           </a:p>
           <a:p>
-            <a:pPr indent="0" lvl="0" marL="0" rtl="0" algn="l">
-              <a:spcBef>
-                <a:spcPts val="1000"/>
-              </a:spcBef>
-              <a:spcAft>
-                <a:spcPts val="0"/>
-              </a:spcAft>
-              <a:buNone/>
+            <a:pPr indent="-342900" lvl="1" marL="914400" rtl="0" algn="l">
+              <a:spcBef>
+                <a:spcPts val="0"/>
+              </a:spcBef>
+              <a:spcAft>
+                <a:spcPts val="0"/>
+              </a:spcAft>
+              <a:buSzPts val="1800"/>
+              <a:buChar char="•"/>
             </a:pPr>
             <a:r>
-              <a:t/>
+              <a:rPr lang="en-US"/>
+              <a:t>Way of interacting with the computer using graphical elements like mouse, icons etc. </a:t>
+            </a:r>
+            <a:endParaRPr/>
+          </a:p>
+          <a:p>
+            <a:pPr indent="-342900" lvl="0" marL="457200" rtl="0" algn="l">
+              <a:spcBef>
+                <a:spcPts val="0"/>
+              </a:spcBef>
+              <a:spcAft>
+                <a:spcPts val="0"/>
+              </a:spcAft>
+              <a:buSzPts val="1800"/>
+              <a:buChar char="•"/>
+            </a:pPr>
+            <a:r>
+              <a:rPr lang="en-US"/>
+              <a:t>What is a command line interface (CLI) (also known as terminal)?</a:t>
+            </a:r>
+            <a:endParaRPr/>
+          </a:p>
+          <a:p>
+            <a:pPr indent="-342900" lvl="1" marL="914400" rtl="0" algn="l">
+              <a:spcBef>
+                <a:spcPts val="0"/>
+              </a:spcBef>
+              <a:spcAft>
+                <a:spcPts val="0"/>
+              </a:spcAft>
+              <a:buSzPts val="1800"/>
+              <a:buChar char="•"/>
+            </a:pPr>
+            <a:r>
+              <a:rPr lang="en-US"/>
+              <a:t>Way of interacting with computer using text. </a:t>
             </a:r>
             <a:endParaRPr/>
           </a:p>
@@ -14083,7 +14216,7 @@
             </a:pPr>
             <a:r>
               <a:rPr lang="en-US"/>
-              <a:t>Compilation flow of a C++ program</a:t>
+              <a:t>Algorithm vs Pseudocode </a:t>
             </a:r>
             <a:endParaRPr/>
           </a:p>
@@ -14112,6 +14245,215 @@
           </a:bodyPr>
           <a:lstStyle/>
           <a:p>
+            <a:pPr indent="-342900" lvl="0" marL="457200" rtl="0" algn="l">
+              <a:spcBef>
+                <a:spcPts val="1000"/>
+              </a:spcBef>
+              <a:spcAft>
+                <a:spcPts val="0"/>
+              </a:spcAft>
+              <a:buSzPts val="1800"/>
+              <a:buChar char="•"/>
+            </a:pPr>
+            <a:r>
+              <a:rPr lang="en-US"/>
+              <a:t>Algorithm : Sequential steps which solves the problem within finite time using finite resources. </a:t>
+            </a:r>
+            <a:endParaRPr/>
+          </a:p>
+          <a:p>
+            <a:pPr indent="0" lvl="0" marL="457200" rtl="0" algn="l">
+              <a:spcBef>
+                <a:spcPts val="1000"/>
+              </a:spcBef>
+              <a:spcAft>
+                <a:spcPts val="0"/>
+              </a:spcAft>
+              <a:buNone/>
+            </a:pPr>
+            <a:r>
+              <a:t/>
+            </a:r>
+            <a:endParaRPr/>
+          </a:p>
+          <a:p>
+            <a:pPr indent="-342900" lvl="0" marL="457200" rtl="0" algn="l">
+              <a:spcBef>
+                <a:spcPts val="1000"/>
+              </a:spcBef>
+              <a:spcAft>
+                <a:spcPts val="0"/>
+              </a:spcAft>
+              <a:buSzPts val="1800"/>
+              <a:buChar char="•"/>
+            </a:pPr>
+            <a:r>
+              <a:rPr lang="en-US"/>
+              <a:t>Pseudocode: Informal way of writing code (in english) that highlights the key elements but leaves the implementation. </a:t>
+            </a:r>
+            <a:endParaRPr/>
+          </a:p>
+          <a:p>
+            <a:pPr indent="-342900" lvl="1" marL="914400" rtl="0" algn="l">
+              <a:spcBef>
+                <a:spcPts val="0"/>
+              </a:spcBef>
+              <a:spcAft>
+                <a:spcPts val="0"/>
+              </a:spcAft>
+              <a:buSzPts val="1800"/>
+              <a:buChar char="•"/>
+            </a:pPr>
+            <a:r>
+              <a:rPr lang="en-US"/>
+              <a:t>It is independent of the language you use. </a:t>
+            </a:r>
+            <a:endParaRPr/>
+          </a:p>
+          <a:p>
+            <a:pPr indent="0" lvl="0" marL="0" rtl="0" algn="l">
+              <a:spcBef>
+                <a:spcPts val="1000"/>
+              </a:spcBef>
+              <a:spcAft>
+                <a:spcPts val="0"/>
+              </a:spcAft>
+              <a:buNone/>
+            </a:pPr>
+            <a:r>
+              <a:t/>
+            </a:r>
+            <a:endParaRPr/>
+          </a:p>
+          <a:p>
+            <a:pPr indent="0" lvl="0" marL="0" rtl="0" algn="l">
+              <a:spcBef>
+                <a:spcPts val="1000"/>
+              </a:spcBef>
+              <a:spcAft>
+                <a:spcPts val="0"/>
+              </a:spcAft>
+              <a:buNone/>
+            </a:pPr>
+            <a:r>
+              <a:rPr lang="en-US">
+                <a:solidFill>
+                  <a:srgbClr val="FF0000"/>
+                </a:solidFill>
+              </a:rPr>
+              <a:t>Refer to the pseudo code document in our github under week 2</a:t>
+            </a:r>
+            <a:endParaRPr>
+              <a:solidFill>
+                <a:srgbClr val="FF0000"/>
+              </a:solidFill>
+            </a:endParaRPr>
+          </a:p>
+          <a:p>
+            <a:pPr indent="0" lvl="0" marL="0" rtl="0" algn="l">
+              <a:spcBef>
+                <a:spcPts val="1000"/>
+              </a:spcBef>
+              <a:spcAft>
+                <a:spcPts val="0"/>
+              </a:spcAft>
+              <a:buNone/>
+            </a:pPr>
+            <a:r>
+              <a:t/>
+            </a:r>
+            <a:endParaRPr/>
+          </a:p>
+        </p:txBody>
+      </p:sp>
+    </p:spTree>
+  </p:cSld>
+  <p:clrMapOvr>
+    <a:masterClrMapping/>
+  </p:clrMapOvr>
+</p:sld>
+</file>
+
+<file path=ppt/slides/slide5.xml><?xml version="1.0" encoding="utf-8"?>
+<p:sld xmlns:a="http://schemas.openxmlformats.org/drawingml/2006/main" xmlns:r="http://schemas.openxmlformats.org/officeDocument/2006/relationships" xmlns:mc="http://schemas.openxmlformats.org/markup-compatibility/2006" xmlns:mv="urn:schemas-microsoft-com:mac:vml" xmlns:p="http://schemas.openxmlformats.org/presentationml/2006/main" xmlns:c="http://schemas.openxmlformats.org/drawingml/2006/chart" xmlns:dgm="http://schemas.openxmlformats.org/drawingml/2006/diagram" xmlns:o="urn:schemas-microsoft-com:office:office" xmlns:v="urn:schemas-microsoft-com:vml" xmlns:pvml="urn:schemas-microsoft-com:office:powerpoint" xmlns:com="http://schemas.openxmlformats.org/drawingml/2006/compatibility" xmlns:p14="http://schemas.microsoft.com/office/powerpoint/2010/main" xmlns:p15="http://schemas.microsoft.com/office/powerpoint/2012/main" xmlns:ahyp="http://schemas.microsoft.com/office/drawing/2018/hyperlinkcolor">
+  <p:cSld>
+    <p:spTree>
+      <p:nvGrpSpPr>
+        <p:cNvPr id="105" name="Shape 105"/>
+        <p:cNvGrpSpPr/>
+        <p:nvPr/>
+      </p:nvGrpSpPr>
+      <p:grpSpPr>
+        <a:xfrm>
+          <a:off x="0" y="0"/>
+          <a:ext cx="0" cy="0"/>
+          <a:chOff x="0" y="0"/>
+          <a:chExt cx="0" cy="0"/>
+        </a:xfrm>
+      </p:grpSpPr>
+      <p:sp>
+        <p:nvSpPr>
+          <p:cNvPr id="106" name="Google Shape;106;p17"/>
+          <p:cNvSpPr txBox="1"/>
+          <p:nvPr>
+            <p:ph type="title"/>
+          </p:nvPr>
+        </p:nvSpPr>
+        <p:spPr>
+          <a:xfrm>
+            <a:off x="838200" y="365125"/>
+            <a:ext cx="10515600" cy="1325700"/>
+          </a:xfrm>
+          <a:prstGeom prst="rect">
+            <a:avLst/>
+          </a:prstGeom>
+        </p:spPr>
+        <p:txBody>
+          <a:bodyPr anchorCtr="0" anchor="ctr" bIns="45700" lIns="91425" spcFirstLastPara="1" rIns="91425" wrap="square" tIns="45700">
+            <a:noAutofit/>
+          </a:bodyPr>
+          <a:lstStyle/>
+          <a:p>
+            <a:pPr indent="0" lvl="0" marL="0" rtl="0" algn="l">
+              <a:spcBef>
+                <a:spcPts val="0"/>
+              </a:spcBef>
+              <a:spcAft>
+                <a:spcPts val="0"/>
+              </a:spcAft>
+              <a:buNone/>
+            </a:pPr>
+            <a:r>
+              <a:rPr lang="en-US"/>
+              <a:t>Compilation flow of a C++ program</a:t>
+            </a:r>
+            <a:endParaRPr/>
+          </a:p>
+        </p:txBody>
+      </p:sp>
+      <p:sp>
+        <p:nvSpPr>
+          <p:cNvPr id="107" name="Google Shape;107;p17"/>
+          <p:cNvSpPr txBox="1"/>
+          <p:nvPr>
+            <p:ph idx="1" type="body"/>
+          </p:nvPr>
+        </p:nvSpPr>
+        <p:spPr>
+          <a:xfrm>
+            <a:off x="838200" y="1825625"/>
+            <a:ext cx="10515600" cy="4351200"/>
+          </a:xfrm>
+          <a:prstGeom prst="rect">
+            <a:avLst/>
+          </a:prstGeom>
+        </p:spPr>
+        <p:txBody>
+          <a:bodyPr anchorCtr="0" anchor="t" bIns="45700" lIns="91425" spcFirstLastPara="1" rIns="91425" wrap="square" tIns="45700">
+            <a:noAutofit/>
+          </a:bodyPr>
+          <a:lstStyle/>
+          <a:p>
             <a:pPr indent="0" lvl="0" marL="0" rtl="0" algn="l">
               <a:spcBef>
                 <a:spcPts val="1000"/>
@@ -14130,7 +14472,7 @@
       </p:sp>
       <p:pic>
         <p:nvPicPr>
-          <p:cNvPr id="102" name="Google Shape;102;p16"/>
+          <p:cNvPr id="108" name="Google Shape;108;p17"/>
           <p:cNvPicPr preferRelativeResize="0"/>
           <p:nvPr/>
         </p:nvPicPr>
@@ -14156,235 +14498,6 @@
           </a:ln>
         </p:spPr>
       </p:pic>
-    </p:spTree>
-  </p:cSld>
-  <p:clrMapOvr>
-    <a:masterClrMapping/>
-  </p:clrMapOvr>
-</p:sld>
-</file>
-
-<file path=ppt/slides/slide5.xml><?xml version="1.0" encoding="utf-8"?>
-<p:sld xmlns:a="http://schemas.openxmlformats.org/drawingml/2006/main" xmlns:r="http://schemas.openxmlformats.org/officeDocument/2006/relationships" xmlns:mc="http://schemas.openxmlformats.org/markup-compatibility/2006" xmlns:mv="urn:schemas-microsoft-com:mac:vml" xmlns:p="http://schemas.openxmlformats.org/presentationml/2006/main" xmlns:c="http://schemas.openxmlformats.org/drawingml/2006/chart" xmlns:dgm="http://schemas.openxmlformats.org/drawingml/2006/diagram" xmlns:o="urn:schemas-microsoft-com:office:office" xmlns:v="urn:schemas-microsoft-com:vml" xmlns:pvml="urn:schemas-microsoft-com:office:powerpoint" xmlns:com="http://schemas.openxmlformats.org/drawingml/2006/compatibility" xmlns:p14="http://schemas.microsoft.com/office/powerpoint/2010/main" xmlns:p15="http://schemas.microsoft.com/office/powerpoint/2012/main" xmlns:ahyp="http://schemas.microsoft.com/office/drawing/2018/hyperlinkcolor">
-  <p:cSld>
-    <p:spTree>
-      <p:nvGrpSpPr>
-        <p:cNvPr id="106" name="Shape 106"/>
-        <p:cNvGrpSpPr/>
-        <p:nvPr/>
-      </p:nvGrpSpPr>
-      <p:grpSpPr>
-        <a:xfrm>
-          <a:off x="0" y="0"/>
-          <a:ext cx="0" cy="0"/>
-          <a:chOff x="0" y="0"/>
-          <a:chExt cx="0" cy="0"/>
-        </a:xfrm>
-      </p:grpSpPr>
-      <p:sp>
-        <p:nvSpPr>
-          <p:cNvPr id="107" name="Google Shape;107;p17"/>
-          <p:cNvSpPr txBox="1"/>
-          <p:nvPr>
-            <p:ph type="title"/>
-          </p:nvPr>
-        </p:nvSpPr>
-        <p:spPr>
-          <a:xfrm>
-            <a:off x="838200" y="365125"/>
-            <a:ext cx="10515600" cy="1325700"/>
-          </a:xfrm>
-          <a:prstGeom prst="rect">
-            <a:avLst/>
-          </a:prstGeom>
-        </p:spPr>
-        <p:txBody>
-          <a:bodyPr anchorCtr="0" anchor="ctr" bIns="45700" lIns="91425" spcFirstLastPara="1" rIns="91425" wrap="square" tIns="45700">
-            <a:noAutofit/>
-          </a:bodyPr>
-          <a:lstStyle/>
-          <a:p>
-            <a:pPr indent="0" lvl="0" marL="0" rtl="0" algn="l">
-              <a:spcBef>
-                <a:spcPts val="0"/>
-              </a:spcBef>
-              <a:spcAft>
-                <a:spcPts val="0"/>
-              </a:spcAft>
-              <a:buClr>
-                <a:schemeClr val="dk1"/>
-              </a:buClr>
-              <a:buSzPts val="1100"/>
-              <a:buFont typeface="Arial"/>
-              <a:buNone/>
-            </a:pPr>
-            <a:r>
-              <a:rPr lang="en-US"/>
-              <a:t>Compilation flow of a C++ program</a:t>
-            </a:r>
-            <a:endParaRPr/>
-          </a:p>
-          <a:p>
-            <a:pPr indent="0" lvl="0" marL="0" rtl="0" algn="l">
-              <a:spcBef>
-                <a:spcPts val="0"/>
-              </a:spcBef>
-              <a:spcAft>
-                <a:spcPts val="0"/>
-              </a:spcAft>
-              <a:buNone/>
-            </a:pPr>
-            <a:r>
-              <a:t/>
-            </a:r>
-            <a:endParaRPr/>
-          </a:p>
-        </p:txBody>
-      </p:sp>
-      <p:sp>
-        <p:nvSpPr>
-          <p:cNvPr id="108" name="Google Shape;108;p17"/>
-          <p:cNvSpPr txBox="1"/>
-          <p:nvPr>
-            <p:ph idx="1" type="body"/>
-          </p:nvPr>
-        </p:nvSpPr>
-        <p:spPr>
-          <a:xfrm>
-            <a:off x="838200" y="1825625"/>
-            <a:ext cx="10515600" cy="4351200"/>
-          </a:xfrm>
-          <a:prstGeom prst="rect">
-            <a:avLst/>
-          </a:prstGeom>
-        </p:spPr>
-        <p:txBody>
-          <a:bodyPr anchorCtr="0" anchor="t" bIns="45700" lIns="91425" spcFirstLastPara="1" rIns="91425" wrap="square" tIns="45700">
-            <a:noAutofit/>
-          </a:bodyPr>
-          <a:lstStyle/>
-          <a:p>
-            <a:pPr indent="-342900" lvl="0" marL="457200" rtl="0" algn="l">
-              <a:spcBef>
-                <a:spcPts val="1000"/>
-              </a:spcBef>
-              <a:spcAft>
-                <a:spcPts val="0"/>
-              </a:spcAft>
-              <a:buSzPts val="1800"/>
-              <a:buChar char="•"/>
-            </a:pPr>
-            <a:r>
-              <a:rPr lang="en-US"/>
-              <a:t>Source code - This is the C++ program file written by you. They have file exten</a:t>
-            </a:r>
-            <a:r>
-              <a:rPr lang="en-US"/>
-              <a:t>sion of (.cpp) which stands for c++.</a:t>
-            </a:r>
-            <a:endParaRPr/>
-          </a:p>
-          <a:p>
-            <a:pPr indent="-342900" lvl="0" marL="457200" rtl="0" algn="l">
-              <a:spcBef>
-                <a:spcPts val="0"/>
-              </a:spcBef>
-              <a:spcAft>
-                <a:spcPts val="0"/>
-              </a:spcAft>
-              <a:buSzPts val="1800"/>
-              <a:buChar char="•"/>
-            </a:pPr>
-            <a:r>
-              <a:rPr lang="en-US"/>
-              <a:t>Preprocessor - Removes all the preprocessor directives (which are just </a:t>
-            </a:r>
-            <a:r>
-              <a:rPr lang="en-US"/>
-              <a:t>statements</a:t>
-            </a:r>
-            <a:r>
-              <a:rPr lang="en-US"/>
-              <a:t> referring to other snippets of code which get used in the program) and returns a c++ file. </a:t>
-            </a:r>
-            <a:endParaRPr/>
-          </a:p>
-          <a:p>
-            <a:pPr indent="-342900" lvl="0" marL="457200" rtl="0" algn="l">
-              <a:spcBef>
-                <a:spcPts val="0"/>
-              </a:spcBef>
-              <a:spcAft>
-                <a:spcPts val="0"/>
-              </a:spcAft>
-              <a:buSzPts val="1800"/>
-              <a:buChar char="•"/>
-            </a:pPr>
-            <a:r>
-              <a:rPr lang="en-US"/>
-              <a:t>Compiler - Goes through line by line to check for errors and converts the c++ you wrote into machine code. </a:t>
-            </a:r>
-            <a:endParaRPr/>
-          </a:p>
-          <a:p>
-            <a:pPr indent="-342900" lvl="0" marL="457200" rtl="0" algn="l">
-              <a:spcBef>
-                <a:spcPts val="0"/>
-              </a:spcBef>
-              <a:spcAft>
-                <a:spcPts val="0"/>
-              </a:spcAft>
-              <a:buSzPts val="1800"/>
-              <a:buChar char="•"/>
-            </a:pPr>
-            <a:r>
-              <a:rPr lang="en-US"/>
-              <a:t>Linker - creates a single executable file that can be used to run. </a:t>
-            </a:r>
-            <a:endParaRPr/>
-          </a:p>
-          <a:p>
-            <a:pPr indent="0" lvl="0" marL="457200" rtl="0" algn="l">
-              <a:spcBef>
-                <a:spcPts val="1000"/>
-              </a:spcBef>
-              <a:spcAft>
-                <a:spcPts val="0"/>
-              </a:spcAft>
-              <a:buNone/>
-            </a:pPr>
-            <a:r>
-              <a:rPr lang="en-US">
-                <a:solidFill>
-                  <a:srgbClr val="FF0000"/>
-                </a:solidFill>
-              </a:rPr>
-              <a:t>Note: This is an advanced </a:t>
-            </a:r>
-            <a:r>
-              <a:rPr lang="en-US">
-                <a:solidFill>
-                  <a:srgbClr val="FF0000"/>
-                </a:solidFill>
-              </a:rPr>
-              <a:t>subject</a:t>
-            </a:r>
-            <a:r>
-              <a:rPr lang="en-US">
-                <a:solidFill>
-                  <a:srgbClr val="FF0000"/>
-                </a:solidFill>
-              </a:rPr>
-              <a:t> in itself, however I wanted you to know the gist of it. </a:t>
-            </a:r>
-            <a:endParaRPr>
-              <a:solidFill>
-                <a:srgbClr val="FF0000"/>
-              </a:solidFill>
-            </a:endParaRPr>
-          </a:p>
-        </p:txBody>
-      </p:sp>
     </p:spTree>
   </p:cSld>
   <p:clrMapOvr>
@@ -14440,11 +14553,31 @@
               <a:spcAft>
                 <a:spcPts val="0"/>
               </a:spcAft>
+              <a:buClr>
+                <a:schemeClr val="dk1"/>
+              </a:buClr>
+              <a:buSzPts val="1100"/>
+              <a:buFont typeface="Arial"/>
               <a:buNone/>
             </a:pPr>
             <a:r>
               <a:rPr lang="en-US"/>
-              <a:t>Key components of C++</a:t>
+              <a:t>Compilation flow of a C++ program</a:t>
+            </a:r>
+            <a:endParaRPr/>
+          </a:p>
+          <a:p>
+            <a:pPr indent="0" lvl="0" marL="0" rtl="0" algn="l">
+              <a:spcBef>
+                <a:spcPts val="0"/>
+              </a:spcBef>
+              <a:spcAft>
+                <a:spcPts val="0"/>
+              </a:spcAft>
+              <a:buNone/>
+            </a:pPr>
+            <a:r>
+              <a:t/>
             </a:r>
             <a:endParaRPr/>
           </a:p>
@@ -14473,190 +14606,124 @@
           </a:bodyPr>
           <a:lstStyle/>
           <a:p>
-            <a:pPr indent="-317500" lvl="0" marL="457200" rtl="0" algn="l">
+            <a:pPr indent="-342900" lvl="0" marL="457200" rtl="0" algn="l">
               <a:spcBef>
                 <a:spcPts val="1000"/>
               </a:spcBef>
               <a:spcAft>
                 <a:spcPts val="0"/>
               </a:spcAft>
-              <a:buSzPts val="1400"/>
+              <a:buSzPts val="1800"/>
               <a:buChar char="•"/>
             </a:pPr>
             <a:r>
-              <a:rPr lang="en-US" sz="2400"/>
-              <a:t>Preprocessor directives - gives instruction to the preprocessor perform a certain task. </a:t>
+              <a:rPr lang="en-US"/>
+              <a:t>Source code - This is the C++ program file written by you. They have file exten</a:t>
             </a:r>
-            <a:endParaRPr sz="2400"/>
+            <a:r>
+              <a:rPr lang="en-US"/>
+              <a:t>sion of (.cpp) which stands for c++.</a:t>
+            </a:r>
+            <a:endParaRPr/>
           </a:p>
           <a:p>
-            <a:pPr indent="-317500" lvl="1" marL="914400" rtl="0" algn="l">
-              <a:spcBef>
-                <a:spcPts val="0"/>
-              </a:spcBef>
-              <a:spcAft>
-                <a:spcPts val="0"/>
-              </a:spcAft>
-              <a:buSzPts val="1400"/>
+            <a:pPr indent="-342900" lvl="0" marL="457200" rtl="0" algn="l">
+              <a:spcBef>
+                <a:spcPts val="0"/>
+              </a:spcBef>
+              <a:spcAft>
+                <a:spcPts val="0"/>
+              </a:spcAft>
+              <a:buSzPts val="1800"/>
               <a:buChar char="•"/>
             </a:pPr>
             <a:r>
-              <a:rPr lang="en-US" sz="2000"/>
-              <a:t>Most common one we use is #include which tells the preprocessor to include snippets of code from somewhere else. </a:t>
+              <a:rPr lang="en-US"/>
+              <a:t>Preprocessor - Removes all the preprocessor directives (which are just </a:t>
             </a:r>
-            <a:endParaRPr sz="2000"/>
+            <a:r>
+              <a:rPr lang="en-US"/>
+              <a:t>statements</a:t>
+            </a:r>
+            <a:r>
+              <a:rPr lang="en-US"/>
+              <a:t> referring to other snippets of code which get used in the program) and returns a c++ file. </a:t>
+            </a:r>
+            <a:endParaRPr/>
           </a:p>
           <a:p>
-            <a:pPr indent="-317500" lvl="1" marL="914400" rtl="0" algn="l">
-              <a:spcBef>
-                <a:spcPts val="0"/>
-              </a:spcBef>
-              <a:spcAft>
-                <a:spcPts val="0"/>
-              </a:spcAft>
-              <a:buSzPts val="1400"/>
+            <a:pPr indent="-342900" lvl="0" marL="457200" rtl="0" algn="l">
+              <a:spcBef>
+                <a:spcPts val="0"/>
+              </a:spcBef>
+              <a:spcAft>
+                <a:spcPts val="0"/>
+              </a:spcAft>
+              <a:buSzPts val="1800"/>
               <a:buChar char="•"/>
             </a:pPr>
             <a:r>
-              <a:rPr lang="en-US" sz="2000"/>
-              <a:t>#define is a also a common one which can be used to replace values inside variables (we will talk </a:t>
+              <a:rPr lang="en-US"/>
+              <a:t>Compiler - Goes through line by line to check for errors and converts the c++ you wrote into machine code. </a:t>
             </a:r>
-            <a:r>
-              <a:rPr lang="en-US" sz="2000"/>
-              <a:t>about</a:t>
-            </a:r>
-            <a:r>
-              <a:rPr lang="en-US" sz="2000"/>
-              <a:t> this at a later point)</a:t>
-            </a:r>
-            <a:endParaRPr sz="2000"/>
+            <a:endParaRPr/>
           </a:p>
           <a:p>
-            <a:pPr indent="-317500" lvl="0" marL="457200" rtl="0" algn="l">
-              <a:spcBef>
-                <a:spcPts val="0"/>
-              </a:spcBef>
-              <a:spcAft>
-                <a:spcPts val="0"/>
-              </a:spcAft>
-              <a:buSzPts val="1400"/>
+            <a:pPr indent="-342900" lvl="0" marL="457200" rtl="0" algn="l">
+              <a:spcBef>
+                <a:spcPts val="0"/>
+              </a:spcBef>
+              <a:spcAft>
+                <a:spcPts val="0"/>
+              </a:spcAft>
+              <a:buSzPts val="1800"/>
               <a:buChar char="•"/>
             </a:pPr>
             <a:r>
-              <a:rPr lang="en-US" sz="2400"/>
-              <a:t>Namespaces - used to </a:t>
+              <a:rPr lang="en-US"/>
+              <a:t>Linker - creates a single executable file that can be used to run. </a:t>
+            </a:r>
+            <a:endParaRPr/>
+          </a:p>
+          <a:p>
+            <a:pPr indent="0" lvl="0" marL="457200" rtl="0" algn="l">
+              <a:spcBef>
+                <a:spcPts val="1000"/>
+              </a:spcBef>
+              <a:spcAft>
+                <a:spcPts val="0"/>
+              </a:spcAft>
+              <a:buNone/>
+            </a:pPr>
+            <a:r>
+              <a:rPr lang="en-US">
+                <a:solidFill>
+                  <a:srgbClr val="FF0000"/>
+                </a:solidFill>
+              </a:rPr>
+              <a:t>Note: This is an advanced </a:t>
             </a:r>
             <a:r>
-              <a:rPr lang="en-US" sz="2400"/>
-              <a:t>avoid</a:t>
+              <a:rPr lang="en-US">
+                <a:solidFill>
+                  <a:srgbClr val="FF0000"/>
+                </a:solidFill>
+              </a:rPr>
+              <a:t>subject</a:t>
             </a:r>
             <a:r>
-              <a:rPr lang="en-US" sz="2400"/>
-              <a:t> variables with same name. Creates a profile as such. We will primarily be using the namespace std. </a:t>
+              <a:rPr lang="en-US">
+                <a:solidFill>
+                  <a:srgbClr val="FF0000"/>
+                </a:solidFill>
+              </a:rPr>
+              <a:t> in itself, however I wanted you to know the gist of it. </a:t>
             </a:r>
-            <a:endParaRPr sz="2400"/>
-          </a:p>
-          <a:p>
-            <a:pPr indent="-317500" lvl="0" marL="457200" rtl="0" algn="l">
-              <a:spcBef>
-                <a:spcPts val="0"/>
-              </a:spcBef>
-              <a:spcAft>
-                <a:spcPts val="0"/>
-              </a:spcAft>
-              <a:buSzPts val="1400"/>
-              <a:buChar char="•"/>
-            </a:pPr>
-            <a:r>
-              <a:rPr lang="en-US" sz="2400"/>
-              <a:t>main function - The first function to be looked at when compilation of a file begins. (We will also talk more </a:t>
-            </a:r>
-            <a:r>
-              <a:rPr lang="en-US" sz="2400"/>
-              <a:t>about</a:t>
-            </a:r>
-            <a:r>
-              <a:rPr lang="en-US" sz="2400"/>
-              <a:t> functions at a later point)</a:t>
-            </a:r>
-            <a:endParaRPr sz="2400"/>
-          </a:p>
-          <a:p>
-            <a:pPr indent="-381000" lvl="0" marL="457200" rtl="0" algn="l">
-              <a:spcBef>
-                <a:spcPts val="0"/>
-              </a:spcBef>
-              <a:spcAft>
-                <a:spcPts val="0"/>
-              </a:spcAft>
-              <a:buSzPts val="2400"/>
-              <a:buChar char="•"/>
-            </a:pPr>
-            <a:r>
-              <a:rPr lang="en-US" sz="2400">
-                <a:solidFill>
-                  <a:schemeClr val="accent2"/>
-                </a:solidFill>
-              </a:rPr>
-              <a:t>;</a:t>
-            </a:r>
-            <a:r>
-              <a:rPr lang="en-US" sz="2400"/>
-              <a:t> (</a:t>
-            </a:r>
-            <a:r>
-              <a:rPr lang="en-US" sz="2400"/>
-              <a:t>semicolon</a:t>
-            </a:r>
-            <a:r>
-              <a:rPr lang="en-US" sz="2400"/>
-              <a:t>) used to indicate the end of a </a:t>
-            </a:r>
-            <a:r>
-              <a:rPr lang="en-US" sz="2400"/>
-              <a:t>statement ( with a few exceptions)</a:t>
-            </a:r>
-            <a:endParaRPr sz="2400"/>
-          </a:p>
-          <a:p>
-            <a:pPr indent="-381000" lvl="0" marL="457200" rtl="0" algn="l">
-              <a:spcBef>
-                <a:spcPts val="0"/>
-              </a:spcBef>
-              <a:spcAft>
-                <a:spcPts val="0"/>
-              </a:spcAft>
-              <a:buSzPts val="2400"/>
-              <a:buChar char="•"/>
-            </a:pPr>
-            <a:r>
-              <a:rPr lang="en-US" sz="2400">
-                <a:solidFill>
-                  <a:schemeClr val="accent2"/>
-                </a:solidFill>
-              </a:rPr>
-              <a:t>{</a:t>
-            </a:r>
-            <a:r>
-              <a:rPr lang="en-US" sz="2400"/>
-              <a:t> (curly brackets are used to signify scope)</a:t>
-            </a:r>
-            <a:endParaRPr sz="2400"/>
-          </a:p>
-          <a:p>
-            <a:pPr indent="0" lvl="0" marL="0" rtl="0" algn="l">
-              <a:spcBef>
-                <a:spcPts val="1000"/>
-              </a:spcBef>
-              <a:spcAft>
-                <a:spcPts val="0"/>
-              </a:spcAft>
-              <a:buNone/>
-            </a:pPr>
-            <a:r>
-              <a:t/>
-            </a:r>
-            <a:endParaRPr/>
+            <a:endParaRPr>
+              <a:solidFill>
+                <a:srgbClr val="FF0000"/>
+              </a:solidFill>
+            </a:endParaRPr>
           </a:p>
         </p:txBody>
       </p:sp>
@@ -14719,7 +14786,7 @@
             </a:pPr>
             <a:r>
               <a:rPr lang="en-US"/>
-              <a:t>Output in a C++ program </a:t>
+              <a:t>Key components of C++</a:t>
             </a:r>
             <a:endParaRPr/>
           </a:p>
@@ -14748,161 +14815,190 @@
           </a:bodyPr>
           <a:lstStyle/>
           <a:p>
-            <a:pPr indent="-355600" lvl="0" marL="457200" rtl="0" algn="l">
+            <a:pPr indent="-317500" lvl="0" marL="457200" rtl="0" algn="l">
               <a:spcBef>
                 <a:spcPts val="1000"/>
               </a:spcBef>
               <a:spcAft>
                 <a:spcPts val="0"/>
               </a:spcAft>
-              <a:buClr>
-                <a:srgbClr val="FF0000"/>
-              </a:buClr>
-              <a:buSzPts val="2000"/>
+              <a:buSzPts val="1400"/>
               <a:buChar char="•"/>
             </a:pPr>
             <a:r>
-              <a:rPr lang="en-US" sz="3000">
-                <a:solidFill>
-                  <a:srgbClr val="FF0000"/>
-                </a:solidFill>
-              </a:rPr>
-              <a:t>Let us to refer helloWorld.cpp program in our week 2 github page. </a:t>
+              <a:rPr lang="en-US" sz="2400"/>
+              <a:t>Preprocessor directives - gives instruction to the preprocessor perform a certain task. </a:t>
             </a:r>
-            <a:endParaRPr sz="3000">
-              <a:solidFill>
-                <a:srgbClr val="FF0000"/>
-              </a:solidFill>
-            </a:endParaRPr>
+            <a:endParaRPr sz="2400"/>
           </a:p>
           <a:p>
-            <a:pPr indent="-355600" lvl="0" marL="457200" rtl="0" algn="l">
-              <a:spcBef>
-                <a:spcPts val="0"/>
-              </a:spcBef>
-              <a:spcAft>
-                <a:spcPts val="0"/>
-              </a:spcAft>
-              <a:buSzPts val="2000"/>
+            <a:pPr indent="-317500" lvl="1" marL="914400" rtl="0" algn="l">
+              <a:spcBef>
+                <a:spcPts val="0"/>
+              </a:spcBef>
+              <a:spcAft>
+                <a:spcPts val="0"/>
+              </a:spcAft>
+              <a:buSzPts val="1400"/>
               <a:buChar char="•"/>
             </a:pPr>
             <a:r>
-              <a:rPr lang="en-US" sz="3000"/>
-              <a:t>Output:</a:t>
+              <a:rPr lang="en-US" sz="2000"/>
+              <a:t>Most common one we use is #include which tells the preprocessor to include snippets of code from somewhere else. </a:t>
             </a:r>
-            <a:endParaRPr sz="3000"/>
+            <a:endParaRPr sz="2000"/>
           </a:p>
           <a:p>
-            <a:pPr indent="-355600" lvl="1" marL="914400" rtl="0" algn="l">
-              <a:spcBef>
-                <a:spcPts val="0"/>
-              </a:spcBef>
-              <a:spcAft>
-                <a:spcPts val="0"/>
-              </a:spcAft>
-              <a:buSzPts val="2000"/>
+            <a:pPr indent="-317500" lvl="1" marL="914400" rtl="0" algn="l">
+              <a:spcBef>
+                <a:spcPts val="0"/>
+              </a:spcBef>
+              <a:spcAft>
+                <a:spcPts val="0"/>
+              </a:spcAft>
+              <a:buSzPts val="1400"/>
               <a:buChar char="•"/>
             </a:pPr>
             <a:r>
-              <a:rPr lang="en-US" sz="2600"/>
-              <a:t>The purpose of having outputs is so that we can send </a:t>
+              <a:rPr lang="en-US" sz="2000"/>
+              <a:t>#define is a also a common one which can be used to replace values inside variables (we will talk </a:t>
             </a:r>
             <a:r>
-              <a:rPr lang="en-US" sz="2600"/>
-              <a:t>messages</a:t>
+              <a:rPr lang="en-US" sz="2000"/>
+              <a:t>about</a:t>
             </a:r>
             <a:r>
-              <a:rPr lang="en-US" sz="2600"/>
-              <a:t> to the so called user of the program ( we will refer to this as user). </a:t>
+              <a:rPr lang="en-US" sz="2000"/>
+              <a:t> this at a later point)</a:t>
             </a:r>
-            <a:endParaRPr sz="2600"/>
+            <a:endParaRPr sz="2000"/>
           </a:p>
           <a:p>
-            <a:pPr indent="-355600" lvl="1" marL="914400" rtl="0" algn="l">
-              <a:spcBef>
-                <a:spcPts val="0"/>
-              </a:spcBef>
-              <a:spcAft>
-                <a:spcPts val="0"/>
-              </a:spcAft>
-              <a:buSzPts val="2000"/>
+            <a:pPr indent="-317500" lvl="0" marL="457200" rtl="0" algn="l">
+              <a:spcBef>
+                <a:spcPts val="0"/>
+              </a:spcBef>
+              <a:spcAft>
+                <a:spcPts val="0"/>
+              </a:spcAft>
+              <a:buSzPts val="1400"/>
               <a:buChar char="•"/>
             </a:pPr>
             <a:r>
-              <a:rPr lang="en-US" sz="2600"/>
-              <a:t>In c++ the most </a:t>
+              <a:rPr lang="en-US" sz="2400"/>
+              <a:t>Namespaces - used to </a:t>
             </a:r>
             <a:r>
-              <a:rPr lang="en-US" sz="2600"/>
-              <a:t>common</a:t>
+              <a:rPr lang="en-US" sz="2400"/>
+              <a:t>avoid</a:t>
             </a:r>
             <a:r>
-              <a:rPr lang="en-US" sz="2600"/>
-              <a:t> way of sending standard output to your unix terminal is to use the </a:t>
+              <a:rPr lang="en-US" sz="2400"/>
+              <a:t> variables with same name. Creates a profile as such. We will primarily be using the namespace std. </a:t>
             </a:r>
-            <a:r>
-              <a:rPr lang="en-US" sz="2600"/>
-              <a:t>statement</a:t>
-            </a:r>
-            <a:r>
-              <a:rPr lang="en-US" sz="2600"/>
-              <a:t> </a:t>
-            </a:r>
-            <a:r>
-              <a:rPr lang="en-US" sz="2600">
-                <a:solidFill>
-                  <a:schemeClr val="accent2"/>
-                </a:solidFill>
-              </a:rPr>
-              <a:t>cout</a:t>
-            </a:r>
-            <a:r>
-              <a:rPr lang="en-US" sz="2600"/>
-              <a:t> which is a part of </a:t>
-            </a:r>
-            <a:r>
-              <a:rPr lang="en-US" sz="2600"/>
-              <a:t>the</a:t>
-            </a:r>
-            <a:r>
-              <a:rPr lang="en-US" sz="2600"/>
-              <a:t> std namespace. </a:t>
-            </a:r>
-            <a:endParaRPr sz="2600"/>
+            <a:endParaRPr sz="2400"/>
           </a:p>
           <a:p>
-            <a:pPr indent="-355600" lvl="1" marL="914400" rtl="0" algn="l">
-              <a:spcBef>
-                <a:spcPts val="0"/>
-              </a:spcBef>
-              <a:spcAft>
-                <a:spcPts val="0"/>
-              </a:spcAft>
-              <a:buSzPts val="2000"/>
+            <a:pPr indent="-317500" lvl="0" marL="457200" rtl="0" algn="l">
+              <a:spcBef>
+                <a:spcPts val="0"/>
+              </a:spcBef>
+              <a:spcAft>
+                <a:spcPts val="0"/>
+              </a:spcAft>
+              <a:buSzPts val="1400"/>
               <a:buChar char="•"/>
             </a:pPr>
             <a:r>
-              <a:rPr lang="en-US" sz="2600"/>
-              <a:t>Syntax: cout &lt;&lt; “  Message you want to send to terminal inside quotes” &lt;&lt; endl;</a:t>
+              <a:rPr lang="en-US" sz="2400"/>
+              <a:t>main function - The first function to be looked at when compilation of a file begins. (We will also talk more </a:t>
             </a:r>
-            <a:endParaRPr sz="2600"/>
+            <a:r>
+              <a:rPr lang="en-US" sz="2400"/>
+              <a:t>about</a:t>
+            </a:r>
+            <a:r>
+              <a:rPr lang="en-US" sz="2400"/>
+              <a:t> functions at a later point)</a:t>
+            </a:r>
+            <a:endParaRPr sz="2400"/>
           </a:p>
           <a:p>
-            <a:pPr indent="-393700" lvl="1" marL="914400" rtl="0" algn="l">
-              <a:spcBef>
-                <a:spcPts val="0"/>
-              </a:spcBef>
-              <a:spcAft>
-                <a:spcPts val="0"/>
-              </a:spcAft>
-              <a:buSzPts val="2600"/>
+            <a:pPr indent="-381000" lvl="0" marL="457200" rtl="0" algn="l">
+              <a:spcBef>
+                <a:spcPts val="0"/>
+              </a:spcBef>
+              <a:spcAft>
+                <a:spcPts val="0"/>
+              </a:spcAft>
+              <a:buSzPts val="2400"/>
               <a:buChar char="•"/>
             </a:pPr>
             <a:r>
-              <a:rPr lang="en-US" sz="2600"/>
-              <a:t>endl here is end line</a:t>
+              <a:rPr lang="en-US" sz="2400">
+                <a:solidFill>
+                  <a:schemeClr val="accent2"/>
+                </a:solidFill>
+              </a:rPr>
+              <a:t>;</a:t>
             </a:r>
-            <a:endParaRPr sz="2600"/>
+            <a:r>
+              <a:rPr lang="en-US" sz="2400"/>
+              <a:t> (</a:t>
+            </a:r>
+            <a:r>
+              <a:rPr lang="en-US" sz="2400"/>
+              <a:t>semicolon</a:t>
+            </a:r>
+            <a:r>
+              <a:rPr lang="en-US" sz="2400"/>
+              <a:t>) used to indicate the end of a </a:t>
+            </a:r>
+            <a:r>
+              <a:rPr lang="en-US" sz="2400"/>
+              <a:t>statement ( with a few exceptions)</a:t>
+            </a:r>
+            <a:endParaRPr sz="2400"/>
+          </a:p>
+          <a:p>
+            <a:pPr indent="-381000" lvl="0" marL="457200" rtl="0" algn="l">
+              <a:spcBef>
+                <a:spcPts val="0"/>
+              </a:spcBef>
+              <a:spcAft>
+                <a:spcPts val="0"/>
+              </a:spcAft>
+              <a:buSzPts val="2400"/>
+              <a:buChar char="•"/>
+            </a:pPr>
+            <a:r>
+              <a:rPr lang="en-US" sz="2400">
+                <a:solidFill>
+                  <a:schemeClr val="accent2"/>
+                </a:solidFill>
+              </a:rPr>
+              <a:t>{</a:t>
+            </a:r>
+            <a:r>
+              <a:rPr lang="en-US" sz="2400"/>
+              <a:t> (curly brackets are used to signify scope)</a:t>
+            </a:r>
+            <a:endParaRPr sz="2400"/>
+          </a:p>
+          <a:p>
+            <a:pPr indent="0" lvl="0" marL="0" rtl="0" algn="l">
+              <a:spcBef>
+                <a:spcPts val="1000"/>
+              </a:spcBef>
+              <a:spcAft>
+                <a:spcPts val="0"/>
+              </a:spcAft>
+              <a:buNone/>
+            </a:pPr>
+            <a:r>
+              <a:t/>
+            </a:r>
+            <a:endParaRPr/>
           </a:p>
         </p:txBody>
       </p:sp>
@@ -14941,6 +15037,252 @@
         </p:nvSpPr>
         <p:spPr>
           <a:xfrm>
+            <a:off x="838200" y="365125"/>
+            <a:ext cx="10515600" cy="1325700"/>
+          </a:xfrm>
+          <a:prstGeom prst="rect">
+            <a:avLst/>
+          </a:prstGeom>
+        </p:spPr>
+        <p:txBody>
+          <a:bodyPr anchorCtr="0" anchor="ctr" bIns="45700" lIns="91425" spcFirstLastPara="1" rIns="91425" wrap="square" tIns="45700">
+            <a:noAutofit/>
+          </a:bodyPr>
+          <a:lstStyle/>
+          <a:p>
+            <a:pPr indent="0" lvl="0" marL="0" rtl="0" algn="l">
+              <a:spcBef>
+                <a:spcPts val="0"/>
+              </a:spcBef>
+              <a:spcAft>
+                <a:spcPts val="0"/>
+              </a:spcAft>
+              <a:buNone/>
+            </a:pPr>
+            <a:r>
+              <a:rPr lang="en-US"/>
+              <a:t>Output in a C++ program </a:t>
+            </a:r>
+            <a:endParaRPr/>
+          </a:p>
+        </p:txBody>
+      </p:sp>
+      <p:sp>
+        <p:nvSpPr>
+          <p:cNvPr id="126" name="Google Shape;126;p20"/>
+          <p:cNvSpPr txBox="1"/>
+          <p:nvPr>
+            <p:ph idx="1" type="body"/>
+          </p:nvPr>
+        </p:nvSpPr>
+        <p:spPr>
+          <a:xfrm>
+            <a:off x="838200" y="1825625"/>
+            <a:ext cx="10515600" cy="4351200"/>
+          </a:xfrm>
+          <a:prstGeom prst="rect">
+            <a:avLst/>
+          </a:prstGeom>
+        </p:spPr>
+        <p:txBody>
+          <a:bodyPr anchorCtr="0" anchor="t" bIns="45700" lIns="91425" spcFirstLastPara="1" rIns="91425" wrap="square" tIns="45700">
+            <a:noAutofit/>
+          </a:bodyPr>
+          <a:lstStyle/>
+          <a:p>
+            <a:pPr indent="-355600" lvl="0" marL="457200" rtl="0" algn="l">
+              <a:spcBef>
+                <a:spcPts val="1000"/>
+              </a:spcBef>
+              <a:spcAft>
+                <a:spcPts val="0"/>
+              </a:spcAft>
+              <a:buClr>
+                <a:srgbClr val="FF0000"/>
+              </a:buClr>
+              <a:buSzPts val="2000"/>
+              <a:buChar char="•"/>
+            </a:pPr>
+            <a:r>
+              <a:rPr lang="en-US" sz="3000">
+                <a:solidFill>
+                  <a:srgbClr val="FF0000"/>
+                </a:solidFill>
+              </a:rPr>
+              <a:t>Let us to refer helloWorld.cpp program in our week 2 github page. </a:t>
+            </a:r>
+            <a:endParaRPr sz="3000">
+              <a:solidFill>
+                <a:srgbClr val="FF0000"/>
+              </a:solidFill>
+            </a:endParaRPr>
+          </a:p>
+          <a:p>
+            <a:pPr indent="-355600" lvl="0" marL="457200" rtl="0" algn="l">
+              <a:spcBef>
+                <a:spcPts val="0"/>
+              </a:spcBef>
+              <a:spcAft>
+                <a:spcPts val="0"/>
+              </a:spcAft>
+              <a:buSzPts val="2000"/>
+              <a:buChar char="•"/>
+            </a:pPr>
+            <a:r>
+              <a:rPr lang="en-US" sz="3000"/>
+              <a:t>Output:</a:t>
+            </a:r>
+            <a:endParaRPr sz="3000"/>
+          </a:p>
+          <a:p>
+            <a:pPr indent="-355600" lvl="1" marL="914400" rtl="0" algn="l">
+              <a:spcBef>
+                <a:spcPts val="0"/>
+              </a:spcBef>
+              <a:spcAft>
+                <a:spcPts val="0"/>
+              </a:spcAft>
+              <a:buSzPts val="2000"/>
+              <a:buChar char="•"/>
+            </a:pPr>
+            <a:r>
+              <a:rPr lang="en-US" sz="2600"/>
+              <a:t>The purpose of having outputs is so that we can send </a:t>
+            </a:r>
+            <a:r>
+              <a:rPr lang="en-US" sz="2600"/>
+              <a:t>messages</a:t>
+            </a:r>
+            <a:r>
+              <a:rPr lang="en-US" sz="2600"/>
+              <a:t> to the so called user of the program ( we will refer to this as user). </a:t>
+            </a:r>
+            <a:endParaRPr sz="2600"/>
+          </a:p>
+          <a:p>
+            <a:pPr indent="-355600" lvl="1" marL="914400" rtl="0" algn="l">
+              <a:spcBef>
+                <a:spcPts val="0"/>
+              </a:spcBef>
+              <a:spcAft>
+                <a:spcPts val="0"/>
+              </a:spcAft>
+              <a:buSzPts val="2000"/>
+              <a:buChar char="•"/>
+            </a:pPr>
+            <a:r>
+              <a:rPr lang="en-US" sz="2600"/>
+              <a:t>In c++ the most </a:t>
+            </a:r>
+            <a:r>
+              <a:rPr lang="en-US" sz="2600"/>
+              <a:t>common</a:t>
+            </a:r>
+            <a:r>
+              <a:rPr lang="en-US" sz="2600"/>
+              <a:t> way of sending standard output to your unix terminal is to use the </a:t>
+            </a:r>
+            <a:r>
+              <a:rPr lang="en-US" sz="2600"/>
+              <a:t>statement</a:t>
+            </a:r>
+            <a:r>
+              <a:rPr lang="en-US" sz="2600"/>
+              <a:t> </a:t>
+            </a:r>
+            <a:r>
+              <a:rPr lang="en-US" sz="2600">
+                <a:solidFill>
+                  <a:schemeClr val="accent2"/>
+                </a:solidFill>
+              </a:rPr>
+              <a:t>cout</a:t>
+            </a:r>
+            <a:r>
+              <a:rPr lang="en-US" sz="2600"/>
+              <a:t> which is a part of </a:t>
+            </a:r>
+            <a:r>
+              <a:rPr lang="en-US" sz="2600"/>
+              <a:t>the</a:t>
+            </a:r>
+            <a:r>
+              <a:rPr lang="en-US" sz="2600"/>
+              <a:t> std namespace. </a:t>
+            </a:r>
+            <a:endParaRPr sz="2600"/>
+          </a:p>
+          <a:p>
+            <a:pPr indent="-355600" lvl="1" marL="914400" rtl="0" algn="l">
+              <a:spcBef>
+                <a:spcPts val="0"/>
+              </a:spcBef>
+              <a:spcAft>
+                <a:spcPts val="0"/>
+              </a:spcAft>
+              <a:buSzPts val="2000"/>
+              <a:buChar char="•"/>
+            </a:pPr>
+            <a:r>
+              <a:rPr lang="en-US" sz="2600"/>
+              <a:t>Syntax: cout &lt;&lt; “  Message you want to send to terminal inside quotes” &lt;&lt; endl;</a:t>
+            </a:r>
+            <a:endParaRPr sz="2600"/>
+          </a:p>
+          <a:p>
+            <a:pPr indent="-393700" lvl="1" marL="914400" rtl="0" algn="l">
+              <a:spcBef>
+                <a:spcPts val="0"/>
+              </a:spcBef>
+              <a:spcAft>
+                <a:spcPts val="0"/>
+              </a:spcAft>
+              <a:buSzPts val="2600"/>
+              <a:buChar char="•"/>
+            </a:pPr>
+            <a:r>
+              <a:rPr lang="en-US" sz="2600"/>
+              <a:t>endl here is end line</a:t>
+            </a:r>
+            <a:endParaRPr sz="2600"/>
+          </a:p>
+        </p:txBody>
+      </p:sp>
+    </p:spTree>
+  </p:cSld>
+  <p:clrMapOvr>
+    <a:masterClrMapping/>
+  </p:clrMapOvr>
+</p:sld>
+</file>
+
+<file path=ppt/slides/slide9.xml><?xml version="1.0" encoding="utf-8"?>
+<p:sld xmlns:a="http://schemas.openxmlformats.org/drawingml/2006/main" xmlns:r="http://schemas.openxmlformats.org/officeDocument/2006/relationships" xmlns:mc="http://schemas.openxmlformats.org/markup-compatibility/2006" xmlns:mv="urn:schemas-microsoft-com:mac:vml" xmlns:p="http://schemas.openxmlformats.org/presentationml/2006/main" xmlns:c="http://schemas.openxmlformats.org/drawingml/2006/chart" xmlns:dgm="http://schemas.openxmlformats.org/drawingml/2006/diagram" xmlns:o="urn:schemas-microsoft-com:office:office" xmlns:v="urn:schemas-microsoft-com:vml" xmlns:pvml="urn:schemas-microsoft-com:office:powerpoint" xmlns:com="http://schemas.openxmlformats.org/drawingml/2006/compatibility" xmlns:p14="http://schemas.microsoft.com/office/powerpoint/2010/main" xmlns:p15="http://schemas.microsoft.com/office/powerpoint/2012/main" xmlns:ahyp="http://schemas.microsoft.com/office/drawing/2018/hyperlinkcolor">
+  <p:cSld>
+    <p:spTree>
+      <p:nvGrpSpPr>
+        <p:cNvPr id="130" name="Shape 130"/>
+        <p:cNvGrpSpPr/>
+        <p:nvPr/>
+      </p:nvGrpSpPr>
+      <p:grpSpPr>
+        <a:xfrm>
+          <a:off x="0" y="0"/>
+          <a:ext cx="0" cy="0"/>
+          <a:chOff x="0" y="0"/>
+          <a:chExt cx="0" cy="0"/>
+        </a:xfrm>
+      </p:grpSpPr>
+      <p:sp>
+        <p:nvSpPr>
+          <p:cNvPr id="131" name="Google Shape;131;p21"/>
+          <p:cNvSpPr txBox="1"/>
+          <p:nvPr>
+            <p:ph type="title"/>
+          </p:nvPr>
+        </p:nvSpPr>
+        <p:spPr>
+          <a:xfrm>
             <a:off x="1016500" y="270075"/>
             <a:ext cx="10515600" cy="1325700"/>
           </a:xfrm>
@@ -14973,7 +15315,7 @@
       </p:sp>
       <p:sp>
         <p:nvSpPr>
-          <p:cNvPr id="126" name="Google Shape;126;p20"/>
+          <p:cNvPr id="132" name="Google Shape;132;p21"/>
           <p:cNvSpPr txBox="1"/>
           <p:nvPr>
             <p:ph idx="1" type="body"/>
